--- a/design_documents/MPA_timeline.pptx
+++ b/design_documents/MPA_timeline.pptx
@@ -104,6 +104,11 @@
       </a:defRPr>
     </a:lvl9pPr>
   </p:defaultTextStyle>
+  <p:extLst>
+    <p:ext uri="{EFAFB233-063F-42B5-8137-9DF3F51BA10A}">
+      <p15:sldGuideLst xmlns:p15="http://schemas.microsoft.com/office/powerpoint/2012/main"/>
+    </p:ext>
+  </p:extLst>
 </p:presentation>
 </file>
 
@@ -4146,7 +4151,7 @@
         <p:spPr>
           <a:xfrm>
             <a:off x="1962540" y="2023717"/>
-            <a:ext cx="2650994" cy="646331"/>
+            <a:ext cx="2650994" cy="923330"/>
           </a:xfrm>
           <a:prstGeom prst="rect">
             <a:avLst/>
@@ -4166,8 +4171,37 @@
                 <a:ea typeface="Arial" charset="0"/>
                 <a:cs typeface="Arial" charset="0"/>
               </a:rPr>
-              <a:t>Initial design completed</a:t>
-            </a:r>
+              <a:t>Initial design </a:t>
+            </a:r>
+            <a:r>
+              <a:rPr lang="en-US" sz="1800">
+                <a:latin typeface="Arial" charset="0"/>
+                <a:ea typeface="Arial" charset="0"/>
+                <a:cs typeface="Arial" charset="0"/>
+              </a:rPr>
+              <a:t>to </a:t>
+            </a:r>
+            <a:r>
+              <a:rPr lang="en-US">
+                <a:latin typeface="Arial" charset="0"/>
+                <a:ea typeface="Arial" charset="0"/>
+                <a:cs typeface="Arial" charset="0"/>
+              </a:rPr>
+              <a:t>be </a:t>
+            </a:r>
+            <a:r>
+              <a:rPr lang="en-US" sz="1800">
+                <a:latin typeface="Arial" charset="0"/>
+                <a:ea typeface="Arial" charset="0"/>
+                <a:cs typeface="Arial" charset="0"/>
+              </a:rPr>
+              <a:t>completed</a:t>
+            </a:r>
+            <a:endParaRPr lang="en-US" sz="1800" dirty="0">
+              <a:latin typeface="Arial" charset="0"/>
+              <a:ea typeface="Arial" charset="0"/>
+              <a:cs typeface="Arial" charset="0"/>
+            </a:endParaRPr>
           </a:p>
           <a:p>
             <a:pPr algn="ctr"/>
@@ -4432,6 +4466,52 @@
               <a:t>This is an example – rough estimates – it will be updated</a:t>
             </a:r>
             <a:endParaRPr lang="en-US" dirty="0"/>
+          </a:p>
+        </p:txBody>
+      </p:sp>
+      <p:sp>
+        <p:nvSpPr>
+          <p:cNvPr id="2" name="Oval 1">
+            <a:extLst>
+              <a:ext uri="{FF2B5EF4-FFF2-40B4-BE49-F238E27FC236}">
+                <a16:creationId xmlns:a16="http://schemas.microsoft.com/office/drawing/2014/main" id="{B705871B-DD7C-8598-4657-18F5CD03D598}"/>
+              </a:ext>
+            </a:extLst>
+          </p:cNvPr>
+          <p:cNvSpPr/>
+          <p:nvPr/>
+        </p:nvSpPr>
+        <p:spPr>
+          <a:xfrm>
+            <a:off x="3754499" y="3268980"/>
+            <a:ext cx="228600" cy="228600"/>
+          </a:xfrm>
+          <a:prstGeom prst="ellipse">
+            <a:avLst/>
+          </a:prstGeom>
+        </p:spPr>
+        <p:style>
+          <a:lnRef idx="2">
+            <a:schemeClr val="accent1">
+              <a:shade val="50000"/>
+            </a:schemeClr>
+          </a:lnRef>
+          <a:fillRef idx="1">
+            <a:schemeClr val="accent1"/>
+          </a:fillRef>
+          <a:effectRef idx="0">
+            <a:schemeClr val="accent1"/>
+          </a:effectRef>
+          <a:fontRef idx="minor">
+            <a:schemeClr val="lt1"/>
+          </a:fontRef>
+        </p:style>
+        <p:txBody>
+          <a:bodyPr rtlCol="0" anchor="ctr"/>
+          <a:lstStyle/>
+          <a:p>
+            <a:pPr algn="ctr"/>
+            <a:endParaRPr lang="en-US"/>
           </a:p>
         </p:txBody>
       </p:sp>
